--- a/Later/Thread/60/Java Synchronization method.pptx
+++ b/Later/Thread/60/Java Synchronization method.pptx
@@ -192,7 +192,7 @@
           <a:p>
             <a:fld id="{62274EC6-3890-417B-9308-14EFBD00FA63}" type="datetimeFigureOut">
               <a:rPr lang="en-US" smtClean="0"/>
-              <a:t>12/12/2016</a:t>
+              <a:t>12/14/2016</a:t>
             </a:fld>
             <a:endParaRPr lang="en-US" dirty="0"/>
           </a:p>
@@ -731,7 +731,7 @@
             <a:fld id="{1D8BD707-D9CF-40AE-B4C6-C98DA3205C09}" type="datetimeFigureOut">
               <a:rPr lang="en-US" smtClean="0"/>
               <a:pPr/>
-              <a:t>12/12/2016</a:t>
+              <a:t>12/14/2016</a:t>
             </a:fld>
             <a:endParaRPr lang="en-US" dirty="0"/>
           </a:p>
@@ -903,7 +903,7 @@
             <a:fld id="{1D8BD707-D9CF-40AE-B4C6-C98DA3205C09}" type="datetimeFigureOut">
               <a:rPr lang="en-US" smtClean="0"/>
               <a:pPr/>
-              <a:t>12/12/2016</a:t>
+              <a:t>12/14/2016</a:t>
             </a:fld>
             <a:endParaRPr lang="en-US" dirty="0"/>
           </a:p>
@@ -1085,7 +1085,7 @@
             <a:fld id="{1D8BD707-D9CF-40AE-B4C6-C98DA3205C09}" type="datetimeFigureOut">
               <a:rPr lang="en-US" smtClean="0"/>
               <a:pPr/>
-              <a:t>12/12/2016</a:t>
+              <a:t>12/14/2016</a:t>
             </a:fld>
             <a:endParaRPr lang="en-US" dirty="0"/>
           </a:p>
@@ -1257,7 +1257,7 @@
             <a:fld id="{1D8BD707-D9CF-40AE-B4C6-C98DA3205C09}" type="datetimeFigureOut">
               <a:rPr lang="en-US" smtClean="0"/>
               <a:pPr/>
-              <a:t>12/12/2016</a:t>
+              <a:t>12/14/2016</a:t>
             </a:fld>
             <a:endParaRPr lang="en-US" dirty="0"/>
           </a:p>
@@ -1505,7 +1505,7 @@
             <a:fld id="{1D8BD707-D9CF-40AE-B4C6-C98DA3205C09}" type="datetimeFigureOut">
               <a:rPr lang="en-US" smtClean="0"/>
               <a:pPr/>
-              <a:t>12/12/2016</a:t>
+              <a:t>12/14/2016</a:t>
             </a:fld>
             <a:endParaRPr lang="en-US" dirty="0"/>
           </a:p>
@@ -1795,7 +1795,7 @@
             <a:fld id="{1D8BD707-D9CF-40AE-B4C6-C98DA3205C09}" type="datetimeFigureOut">
               <a:rPr lang="en-US" smtClean="0"/>
               <a:pPr/>
-              <a:t>12/12/2016</a:t>
+              <a:t>12/14/2016</a:t>
             </a:fld>
             <a:endParaRPr lang="en-US" dirty="0"/>
           </a:p>
@@ -2224,7 +2224,7 @@
             <a:fld id="{1D8BD707-D9CF-40AE-B4C6-C98DA3205C09}" type="datetimeFigureOut">
               <a:rPr lang="en-US" smtClean="0"/>
               <a:pPr/>
-              <a:t>12/12/2016</a:t>
+              <a:t>12/14/2016</a:t>
             </a:fld>
             <a:endParaRPr lang="en-US" dirty="0"/>
           </a:p>
@@ -2344,7 +2344,7 @@
             <a:fld id="{1D8BD707-D9CF-40AE-B4C6-C98DA3205C09}" type="datetimeFigureOut">
               <a:rPr lang="en-US" smtClean="0"/>
               <a:pPr/>
-              <a:t>12/12/2016</a:t>
+              <a:t>12/14/2016</a:t>
             </a:fld>
             <a:endParaRPr lang="en-US" dirty="0"/>
           </a:p>
@@ -2441,7 +2441,7 @@
             <a:fld id="{1D8BD707-D9CF-40AE-B4C6-C98DA3205C09}" type="datetimeFigureOut">
               <a:rPr lang="en-US" smtClean="0"/>
               <a:pPr/>
-              <a:t>12/12/2016</a:t>
+              <a:t>12/14/2016</a:t>
             </a:fld>
             <a:endParaRPr lang="en-US" dirty="0"/>
           </a:p>
@@ -2720,7 +2720,7 @@
             <a:fld id="{1D8BD707-D9CF-40AE-B4C6-C98DA3205C09}" type="datetimeFigureOut">
               <a:rPr lang="en-US" smtClean="0"/>
               <a:pPr/>
-              <a:t>12/12/2016</a:t>
+              <a:t>12/14/2016</a:t>
             </a:fld>
             <a:endParaRPr lang="en-US" dirty="0"/>
           </a:p>
@@ -2975,7 +2975,7 @@
             <a:fld id="{1D8BD707-D9CF-40AE-B4C6-C98DA3205C09}" type="datetimeFigureOut">
               <a:rPr lang="en-US" smtClean="0"/>
               <a:pPr/>
-              <a:t>12/12/2016</a:t>
+              <a:t>12/14/2016</a:t>
             </a:fld>
             <a:endParaRPr lang="en-US" dirty="0"/>
           </a:p>
@@ -3190,7 +3190,7 @@
             <a:fld id="{1D8BD707-D9CF-40AE-B4C6-C98DA3205C09}" type="datetimeFigureOut">
               <a:rPr lang="en-US" smtClean="0"/>
               <a:pPr/>
-              <a:t>12/12/2016</a:t>
+              <a:t>12/14/2016</a:t>
             </a:fld>
             <a:endParaRPr lang="en-US" dirty="0"/>
           </a:p>
@@ -3648,86 +3648,6 @@
           </a:p>
         </p:txBody>
       </p:sp>
-      <p:sp>
-        <p:nvSpPr>
-          <p:cNvPr id="7" name="TextBox 6"/>
-          <p:cNvSpPr txBox="1"/>
-          <p:nvPr/>
-        </p:nvSpPr>
-        <p:spPr>
-          <a:xfrm>
-            <a:off x="5181600" y="533400"/>
-            <a:ext cx="3754810" cy="646331"/>
-          </a:xfrm>
-          <a:prstGeom prst="rect">
-            <a:avLst/>
-          </a:prstGeom>
-        </p:spPr>
-        <p:style>
-          <a:lnRef idx="1">
-            <a:schemeClr val="accent2"/>
-          </a:lnRef>
-          <a:fillRef idx="3">
-            <a:schemeClr val="accent2"/>
-          </a:fillRef>
-          <a:effectRef idx="2">
-            <a:schemeClr val="accent2"/>
-          </a:effectRef>
-          <a:fontRef idx="minor">
-            <a:schemeClr val="lt1"/>
-          </a:fontRef>
-        </p:style>
-        <p:txBody>
-          <a:bodyPr wrap="none" rtlCol="0">
-            <a:spAutoFit/>
-          </a:bodyPr>
-          <a:lstStyle/>
-          <a:p>
-            <a:r>
-              <a:rPr lang="en-US" sz="1200" dirty="0" smtClean="0"/>
-              <a:t>If there </a:t>
-            </a:r>
-            <a:r>
-              <a:rPr lang="en-US" sz="1200" dirty="0"/>
-              <a:t>is no synchronization, </a:t>
-            </a:r>
-            <a:r>
-              <a:rPr lang="en-US" sz="1200" dirty="0" smtClean="0"/>
-              <a:t>output will be </a:t>
-            </a:r>
-            <a:r>
-              <a:rPr lang="en-US" sz="1200" dirty="0"/>
-              <a:t>inconsistent</a:t>
-            </a:r>
-            <a:r>
-              <a:rPr lang="en-US" sz="1200" dirty="0" smtClean="0"/>
-              <a:t>.</a:t>
-            </a:r>
-          </a:p>
-          <a:p>
-            <a:endParaRPr lang="en-US" sz="1200" dirty="0"/>
-          </a:p>
-          <a:p>
-            <a:r>
-              <a:rPr lang="en-US" sz="1200" dirty="0"/>
-              <a:t>If there is </a:t>
-            </a:r>
-            <a:r>
-              <a:rPr lang="en-US" sz="1200" dirty="0" smtClean="0"/>
-              <a:t>synchronization</a:t>
-            </a:r>
-            <a:r>
-              <a:rPr lang="en-US" sz="1200" dirty="0"/>
-              <a:t>, output will be </a:t>
-            </a:r>
-            <a:r>
-              <a:rPr lang="en-US" sz="1200" dirty="0" smtClean="0"/>
-              <a:t>consistent.</a:t>
-            </a:r>
-            <a:endParaRPr lang="en-US" sz="1200" dirty="0"/>
-          </a:p>
-        </p:txBody>
-      </p:sp>
       <p:pic>
         <p:nvPicPr>
           <p:cNvPr id="1026" name="Picture 2"/>
@@ -3776,14 +3696,135 @@
       </p:pic>
       <p:sp>
         <p:nvSpPr>
-          <p:cNvPr id="13" name="Rectangular Callout 12"/>
+          <p:cNvPr id="8" name="TextBox 7"/>
+          <p:cNvSpPr txBox="1"/>
+          <p:nvPr/>
+        </p:nvSpPr>
+        <p:spPr>
+          <a:xfrm>
+            <a:off x="4495800" y="457200"/>
+            <a:ext cx="3984937" cy="1015663"/>
+          </a:xfrm>
+          <a:prstGeom prst="rect">
+            <a:avLst/>
+          </a:prstGeom>
+        </p:spPr>
+        <p:style>
+          <a:lnRef idx="1">
+            <a:schemeClr val="accent2"/>
+          </a:lnRef>
+          <a:fillRef idx="3">
+            <a:schemeClr val="accent2"/>
+          </a:fillRef>
+          <a:effectRef idx="2">
+            <a:schemeClr val="accent2"/>
+          </a:effectRef>
+          <a:fontRef idx="minor">
+            <a:schemeClr val="lt1"/>
+          </a:fontRef>
+        </p:style>
+        <p:txBody>
+          <a:bodyPr wrap="none" rtlCol="0">
+            <a:spAutoFit/>
+          </a:bodyPr>
+          <a:lstStyle/>
+          <a:p>
+            <a:pPr marL="171450" indent="-171450">
+              <a:buFont typeface="Wingdings" pitchFamily="2" charset="2"/>
+              <a:buChar char="ü"/>
+            </a:pPr>
+            <a:r>
+              <a:rPr lang="en-US" sz="1200" dirty="0" smtClean="0"/>
+              <a:t>If there </a:t>
+            </a:r>
+            <a:r>
+              <a:rPr lang="en-US" sz="1200" dirty="0"/>
+              <a:t>is no synchronization, </a:t>
+            </a:r>
+            <a:r>
+              <a:rPr lang="en-US" sz="1200" dirty="0" smtClean="0"/>
+              <a:t>output will be </a:t>
+            </a:r>
+            <a:r>
+              <a:rPr lang="en-US" sz="1200" dirty="0"/>
+              <a:t>inconsistent</a:t>
+            </a:r>
+            <a:r>
+              <a:rPr lang="en-US" sz="1200" dirty="0" smtClean="0"/>
+              <a:t>.</a:t>
+            </a:r>
+          </a:p>
+          <a:p>
+            <a:pPr marL="171450" indent="-171450">
+              <a:buFont typeface="Wingdings" pitchFamily="2" charset="2"/>
+              <a:buChar char="ü"/>
+            </a:pPr>
+            <a:endParaRPr lang="en-US" sz="1200" dirty="0"/>
+          </a:p>
+          <a:p>
+            <a:pPr marL="171450" indent="-171450">
+              <a:buFont typeface="Wingdings" pitchFamily="2" charset="2"/>
+              <a:buChar char="ü"/>
+            </a:pPr>
+            <a:r>
+              <a:rPr lang="en-US" sz="1200" dirty="0"/>
+              <a:t>If there is </a:t>
+            </a:r>
+            <a:r>
+              <a:rPr lang="en-US" sz="1200" dirty="0" smtClean="0"/>
+              <a:t>synchronization</a:t>
+            </a:r>
+            <a:r>
+              <a:rPr lang="en-US" sz="1200" dirty="0"/>
+              <a:t>, output will be </a:t>
+            </a:r>
+            <a:r>
+              <a:rPr lang="en-US" sz="1200" dirty="0" smtClean="0"/>
+              <a:t>consistent</a:t>
+            </a:r>
+            <a:r>
+              <a:rPr lang="en-US" sz="1200" dirty="0" smtClean="0"/>
+              <a:t>.</a:t>
+            </a:r>
+          </a:p>
+          <a:p>
+            <a:pPr marL="171450" indent="-171450">
+              <a:buFont typeface="Wingdings" pitchFamily="2" charset="2"/>
+              <a:buChar char="ü"/>
+            </a:pPr>
+            <a:endParaRPr lang="en-US" sz="1200" dirty="0"/>
+          </a:p>
+          <a:p>
+            <a:pPr marL="171450" indent="-171450">
+              <a:buFont typeface="Wingdings" pitchFamily="2" charset="2"/>
+              <a:buChar char="ü"/>
+            </a:pPr>
+            <a:r>
+              <a:rPr lang="en-US" sz="1200" dirty="0" smtClean="0"/>
+              <a:t>When Race condition occur, we will </a:t>
+            </a:r>
+            <a:r>
+              <a:rPr lang="en-US" sz="1200" dirty="0"/>
+              <a:t>get </a:t>
+            </a:r>
+            <a:r>
+              <a:rPr lang="en-US" sz="1200" dirty="0" smtClean="0"/>
+              <a:t>inconsistent result.</a:t>
+            </a:r>
+            <a:endParaRPr lang="en-US" sz="1200" dirty="0"/>
+          </a:p>
+        </p:txBody>
+      </p:sp>
+      <p:sp>
+        <p:nvSpPr>
+          <p:cNvPr id="9" name="Rectangular Callout 8"/>
           <p:cNvSpPr/>
           <p:nvPr/>
         </p:nvSpPr>
         <p:spPr>
           <a:xfrm>
-            <a:off x="384175" y="1633537"/>
-            <a:ext cx="3883025" cy="1981200"/>
+            <a:off x="279400" y="1749088"/>
+            <a:ext cx="3883025" cy="2841962"/>
           </a:xfrm>
           <a:prstGeom prst="wedgeRectCallout">
             <a:avLst>
@@ -3874,6 +3915,49 @@
             <a:r>
               <a:rPr lang="en-US" sz="1200" dirty="0" smtClean="0"/>
               <a:t>.</a:t>
+            </a:r>
+            <a:br>
+              <a:rPr lang="en-US" sz="1200" dirty="0" smtClean="0"/>
+            </a:br>
+            <a:endParaRPr lang="en-US" sz="1200" dirty="0" smtClean="0"/>
+          </a:p>
+          <a:p>
+            <a:pPr marL="171450" indent="-171450">
+              <a:buFont typeface="Wingdings" pitchFamily="2" charset="2"/>
+              <a:buChar char="ü"/>
+            </a:pPr>
+            <a:r>
+              <a:rPr lang="en-US" sz="1200" dirty="0"/>
+              <a:t>Using Synchronized methods is a way to accomplish synchronization</a:t>
+            </a:r>
+            <a:r>
+              <a:rPr lang="en-US" sz="1200" dirty="0" smtClean="0"/>
+              <a:t>.</a:t>
+            </a:r>
+          </a:p>
+          <a:p>
+            <a:pPr marL="171450" indent="-171450">
+              <a:buFont typeface="Wingdings" pitchFamily="2" charset="2"/>
+              <a:buChar char="ü"/>
+            </a:pPr>
+            <a:endParaRPr lang="en-US" sz="1200" dirty="0"/>
+          </a:p>
+          <a:p>
+            <a:pPr marL="171450" indent="-171450">
+              <a:buFont typeface="Wingdings" pitchFamily="2" charset="2"/>
+              <a:buChar char="ü"/>
+            </a:pPr>
+            <a:r>
+              <a:rPr lang="en-US" sz="1200" dirty="0" smtClean="0"/>
+              <a:t>Synchronized method will be </a:t>
+            </a:r>
+            <a:r>
+              <a:rPr lang="en-US" sz="1200" dirty="0"/>
+              <a:t>available to only one thread at a </a:t>
+            </a:r>
+            <a:r>
+              <a:rPr lang="en-US" sz="1200" dirty="0" smtClean="0"/>
+              <a:t>time.</a:t>
             </a:r>
             <a:r>
               <a:rPr lang="en-US" sz="1200" dirty="0"/>
